--- a/papers/neurips2021/figures/sparse_buffer.pptx
+++ b/papers/neurips2021/figures/sparse_buffer.pptx
@@ -259,7 +259,7 @@
           <a:p>
             <a:fld id="{9161D8F9-B72F-7C49-87C1-C4B199C9E7E0}" type="datetimeFigureOut">
               <a:rPr lang="en-US" smtClean="0"/>
-              <a:t>5/14/21</a:t>
+              <a:t>5/16/21</a:t>
             </a:fld>
             <a:endParaRPr lang="en-US"/>
           </a:p>
@@ -457,7 +457,7 @@
           <a:p>
             <a:fld id="{9161D8F9-B72F-7C49-87C1-C4B199C9E7E0}" type="datetimeFigureOut">
               <a:rPr lang="en-US" smtClean="0"/>
-              <a:t>5/14/21</a:t>
+              <a:t>5/16/21</a:t>
             </a:fld>
             <a:endParaRPr lang="en-US"/>
           </a:p>
@@ -665,7 +665,7 @@
           <a:p>
             <a:fld id="{9161D8F9-B72F-7C49-87C1-C4B199C9E7E0}" type="datetimeFigureOut">
               <a:rPr lang="en-US" smtClean="0"/>
-              <a:t>5/14/21</a:t>
+              <a:t>5/16/21</a:t>
             </a:fld>
             <a:endParaRPr lang="en-US"/>
           </a:p>
@@ -863,7 +863,7 @@
           <a:p>
             <a:fld id="{9161D8F9-B72F-7C49-87C1-C4B199C9E7E0}" type="datetimeFigureOut">
               <a:rPr lang="en-US" smtClean="0"/>
-              <a:t>5/14/21</a:t>
+              <a:t>5/16/21</a:t>
             </a:fld>
             <a:endParaRPr lang="en-US"/>
           </a:p>
@@ -1138,7 +1138,7 @@
           <a:p>
             <a:fld id="{9161D8F9-B72F-7C49-87C1-C4B199C9E7E0}" type="datetimeFigureOut">
               <a:rPr lang="en-US" smtClean="0"/>
-              <a:t>5/14/21</a:t>
+              <a:t>5/16/21</a:t>
             </a:fld>
             <a:endParaRPr lang="en-US"/>
           </a:p>
@@ -1403,7 +1403,7 @@
           <a:p>
             <a:fld id="{9161D8F9-B72F-7C49-87C1-C4B199C9E7E0}" type="datetimeFigureOut">
               <a:rPr lang="en-US" smtClean="0"/>
-              <a:t>5/14/21</a:t>
+              <a:t>5/16/21</a:t>
             </a:fld>
             <a:endParaRPr lang="en-US"/>
           </a:p>
@@ -1815,7 +1815,7 @@
           <a:p>
             <a:fld id="{9161D8F9-B72F-7C49-87C1-C4B199C9E7E0}" type="datetimeFigureOut">
               <a:rPr lang="en-US" smtClean="0"/>
-              <a:t>5/14/21</a:t>
+              <a:t>5/16/21</a:t>
             </a:fld>
             <a:endParaRPr lang="en-US"/>
           </a:p>
@@ -1956,7 +1956,7 @@
           <a:p>
             <a:fld id="{9161D8F9-B72F-7C49-87C1-C4B199C9E7E0}" type="datetimeFigureOut">
               <a:rPr lang="en-US" smtClean="0"/>
-              <a:t>5/14/21</a:t>
+              <a:t>5/16/21</a:t>
             </a:fld>
             <a:endParaRPr lang="en-US"/>
           </a:p>
@@ -2069,7 +2069,7 @@
           <a:p>
             <a:fld id="{9161D8F9-B72F-7C49-87C1-C4B199C9E7E0}" type="datetimeFigureOut">
               <a:rPr lang="en-US" smtClean="0"/>
-              <a:t>5/14/21</a:t>
+              <a:t>5/16/21</a:t>
             </a:fld>
             <a:endParaRPr lang="en-US"/>
           </a:p>
@@ -2380,7 +2380,7 @@
           <a:p>
             <a:fld id="{9161D8F9-B72F-7C49-87C1-C4B199C9E7E0}" type="datetimeFigureOut">
               <a:rPr lang="en-US" smtClean="0"/>
-              <a:t>5/14/21</a:t>
+              <a:t>5/16/21</a:t>
             </a:fld>
             <a:endParaRPr lang="en-US"/>
           </a:p>
@@ -2668,7 +2668,7 @@
           <a:p>
             <a:fld id="{9161D8F9-B72F-7C49-87C1-C4B199C9E7E0}" type="datetimeFigureOut">
               <a:rPr lang="en-US" smtClean="0"/>
-              <a:t>5/14/21</a:t>
+              <a:t>5/16/21</a:t>
             </a:fld>
             <a:endParaRPr lang="en-US"/>
           </a:p>
@@ -2909,7 +2909,7 @@
           <a:p>
             <a:fld id="{9161D8F9-B72F-7C49-87C1-C4B199C9E7E0}" type="datetimeFigureOut">
               <a:rPr lang="en-US" smtClean="0"/>
-              <a:t>5/14/21</a:t>
+              <a:t>5/16/21</a:t>
             </a:fld>
             <a:endParaRPr lang="en-US"/>
           </a:p>
@@ -5084,7 +5084,7 @@
         </p:nvSpPr>
         <p:spPr>
           <a:xfrm>
-            <a:off x="1904692" y="803994"/>
+            <a:off x="413738" y="1027052"/>
             <a:ext cx="520128" cy="145105"/>
           </a:xfrm>
           <a:prstGeom prst="rect">
@@ -5138,7 +5138,7 @@
         </p:nvSpPr>
         <p:spPr>
           <a:xfrm>
-            <a:off x="2545059" y="674448"/>
+            <a:off x="1054105" y="897506"/>
             <a:ext cx="3079626" cy="369332"/>
           </a:xfrm>
           <a:prstGeom prst="rect">
@@ -5173,7 +5173,7 @@
         </p:nvSpPr>
         <p:spPr>
           <a:xfrm>
-            <a:off x="1904692" y="1084284"/>
+            <a:off x="413738" y="1307342"/>
             <a:ext cx="520128" cy="145105"/>
           </a:xfrm>
           <a:prstGeom prst="rect">
@@ -5227,7 +5227,7 @@
         </p:nvSpPr>
         <p:spPr>
           <a:xfrm>
-            <a:off x="2545059" y="966653"/>
+            <a:off x="1054105" y="1189711"/>
             <a:ext cx="3453125" cy="369332"/>
           </a:xfrm>
           <a:prstGeom prst="rect">
@@ -5262,7 +5262,7 @@
         </p:nvSpPr>
         <p:spPr>
           <a:xfrm>
-            <a:off x="1904692" y="1370310"/>
+            <a:off x="4807158" y="1291683"/>
             <a:ext cx="520128" cy="145105"/>
           </a:xfrm>
           <a:prstGeom prst="rect">
@@ -5314,7 +5314,7 @@
         </p:nvSpPr>
         <p:spPr>
           <a:xfrm>
-            <a:off x="2545059" y="1268626"/>
+            <a:off x="5447525" y="1189999"/>
             <a:ext cx="1901483" cy="369332"/>
           </a:xfrm>
           <a:prstGeom prst="rect">
@@ -5530,6 +5530,218 @@
           </a:fontRef>
         </p:style>
       </p:cxnSp>
+      <p:sp>
+        <p:nvSpPr>
+          <p:cNvPr id="44" name="Rectangle 43">
+            <a:extLst>
+              <a:ext uri="{FF2B5EF4-FFF2-40B4-BE49-F238E27FC236}">
+                <a16:creationId xmlns:a16="http://schemas.microsoft.com/office/drawing/2014/main" id="{6B72E724-A370-2E4F-9C07-EC2C14FBCD6B}"/>
+              </a:ext>
+            </a:extLst>
+          </p:cNvPr>
+          <p:cNvSpPr/>
+          <p:nvPr/>
+        </p:nvSpPr>
+        <p:spPr>
+          <a:xfrm>
+            <a:off x="2019014" y="2006259"/>
+            <a:ext cx="520128" cy="145105"/>
+          </a:xfrm>
+          <a:prstGeom prst="rect">
+            <a:avLst/>
+          </a:prstGeom>
+          <a:pattFill prst="wdUpDiag">
+            <a:fgClr>
+              <a:schemeClr val="accent6"/>
+            </a:fgClr>
+            <a:bgClr>
+              <a:schemeClr val="bg1"/>
+            </a:bgClr>
+          </a:pattFill>
+          <a:ln>
+            <a:solidFill>
+              <a:schemeClr val="tx1"/>
+            </a:solidFill>
+          </a:ln>
+        </p:spPr>
+        <p:style>
+          <a:lnRef idx="2">
+            <a:schemeClr val="accent1">
+              <a:shade val="50000"/>
+            </a:schemeClr>
+          </a:lnRef>
+          <a:fillRef idx="1">
+            <a:schemeClr val="accent1"/>
+          </a:fillRef>
+          <a:effectRef idx="0">
+            <a:schemeClr val="accent1"/>
+          </a:effectRef>
+          <a:fontRef idx="minor">
+            <a:schemeClr val="lt1"/>
+          </a:fontRef>
+        </p:style>
+        <p:txBody>
+          <a:bodyPr rtlCol="0" anchor="ctr"/>
+          <a:lstStyle/>
+          <a:p>
+            <a:pPr algn="ctr"/>
+            <a:endParaRPr lang="en-US"/>
+          </a:p>
+        </p:txBody>
+      </p:sp>
+      <p:sp>
+        <p:nvSpPr>
+          <p:cNvPr id="46" name="Rectangle 45">
+            <a:extLst>
+              <a:ext uri="{FF2B5EF4-FFF2-40B4-BE49-F238E27FC236}">
+                <a16:creationId xmlns:a16="http://schemas.microsoft.com/office/drawing/2014/main" id="{C500F2F3-C863-C340-A434-1FF53B295CF6}"/>
+              </a:ext>
+            </a:extLst>
+          </p:cNvPr>
+          <p:cNvSpPr/>
+          <p:nvPr/>
+        </p:nvSpPr>
+        <p:spPr>
+          <a:xfrm>
+            <a:off x="2019014" y="2750815"/>
+            <a:ext cx="520128" cy="145105"/>
+          </a:xfrm>
+          <a:prstGeom prst="rect">
+            <a:avLst/>
+          </a:prstGeom>
+          <a:pattFill prst="wdUpDiag">
+            <a:fgClr>
+              <a:schemeClr val="accent6"/>
+            </a:fgClr>
+            <a:bgClr>
+              <a:schemeClr val="bg1"/>
+            </a:bgClr>
+          </a:pattFill>
+          <a:ln>
+            <a:solidFill>
+              <a:schemeClr val="tx1"/>
+            </a:solidFill>
+          </a:ln>
+        </p:spPr>
+        <p:style>
+          <a:lnRef idx="2">
+            <a:schemeClr val="accent1">
+              <a:shade val="50000"/>
+            </a:schemeClr>
+          </a:lnRef>
+          <a:fillRef idx="1">
+            <a:schemeClr val="accent1"/>
+          </a:fillRef>
+          <a:effectRef idx="0">
+            <a:schemeClr val="accent1"/>
+          </a:effectRef>
+          <a:fontRef idx="minor">
+            <a:schemeClr val="lt1"/>
+          </a:fontRef>
+        </p:style>
+        <p:txBody>
+          <a:bodyPr rtlCol="0" anchor="ctr"/>
+          <a:lstStyle/>
+          <a:p>
+            <a:pPr algn="ctr"/>
+            <a:endParaRPr lang="en-US"/>
+          </a:p>
+        </p:txBody>
+      </p:sp>
+      <p:sp>
+        <p:nvSpPr>
+          <p:cNvPr id="47" name="Rectangle 46">
+            <a:extLst>
+              <a:ext uri="{FF2B5EF4-FFF2-40B4-BE49-F238E27FC236}">
+                <a16:creationId xmlns:a16="http://schemas.microsoft.com/office/drawing/2014/main" id="{C02FB0F7-83B3-044C-A7F9-8A7C0A5C4CDF}"/>
+              </a:ext>
+            </a:extLst>
+          </p:cNvPr>
+          <p:cNvSpPr/>
+          <p:nvPr/>
+        </p:nvSpPr>
+        <p:spPr>
+          <a:xfrm>
+            <a:off x="4807158" y="1019190"/>
+            <a:ext cx="520128" cy="145105"/>
+          </a:xfrm>
+          <a:prstGeom prst="rect">
+            <a:avLst/>
+          </a:prstGeom>
+          <a:pattFill prst="wdUpDiag">
+            <a:fgClr>
+              <a:schemeClr val="accent6"/>
+            </a:fgClr>
+            <a:bgClr>
+              <a:schemeClr val="bg1"/>
+            </a:bgClr>
+          </a:pattFill>
+          <a:ln>
+            <a:solidFill>
+              <a:schemeClr val="tx1"/>
+            </a:solidFill>
+          </a:ln>
+        </p:spPr>
+        <p:style>
+          <a:lnRef idx="2">
+            <a:schemeClr val="accent1">
+              <a:shade val="50000"/>
+            </a:schemeClr>
+          </a:lnRef>
+          <a:fillRef idx="1">
+            <a:schemeClr val="accent1"/>
+          </a:fillRef>
+          <a:effectRef idx="0">
+            <a:schemeClr val="accent1"/>
+          </a:effectRef>
+          <a:fontRef idx="minor">
+            <a:schemeClr val="lt1"/>
+          </a:fontRef>
+        </p:style>
+        <p:txBody>
+          <a:bodyPr rtlCol="0" anchor="ctr"/>
+          <a:lstStyle/>
+          <a:p>
+            <a:pPr algn="ctr"/>
+            <a:endParaRPr lang="en-US"/>
+          </a:p>
+        </p:txBody>
+      </p:sp>
+      <p:sp>
+        <p:nvSpPr>
+          <p:cNvPr id="3" name="TextBox 2">
+            <a:extLst>
+              <a:ext uri="{FF2B5EF4-FFF2-40B4-BE49-F238E27FC236}">
+                <a16:creationId xmlns:a16="http://schemas.microsoft.com/office/drawing/2014/main" id="{E8D4F6F4-566F-9245-A762-3061F6490775}"/>
+              </a:ext>
+            </a:extLst>
+          </p:cNvPr>
+          <p:cNvSpPr txBox="1"/>
+          <p:nvPr/>
+        </p:nvSpPr>
+        <p:spPr>
+          <a:xfrm>
+            <a:off x="5447525" y="897506"/>
+            <a:ext cx="1843133" cy="369332"/>
+          </a:xfrm>
+          <a:prstGeom prst="rect">
+            <a:avLst/>
+          </a:prstGeom>
+          <a:noFill/>
+        </p:spPr>
+        <p:txBody>
+          <a:bodyPr wrap="none" rtlCol="0">
+            <a:spAutoFit/>
+          </a:bodyPr>
+          <a:lstStyle/>
+          <a:p>
+            <a:r>
+              <a:rPr lang="en-US" dirty="0"/>
+              <a:t>Invalidated nodes</a:t>
+            </a:r>
+          </a:p>
+        </p:txBody>
+      </p:sp>
     </p:spTree>
     <p:extLst>
       <p:ext uri="{BB962C8B-B14F-4D97-AF65-F5344CB8AC3E}">
